--- a/make_presentation/templates/templates/classic/_20.pptx
+++ b/make_presentation/templates/templates/classic/_20.pptx
@@ -311,7 +311,7 @@
             <a:pPr algn="r">
               <a:buNone/>
             </a:pPr>
-            <a:fld id="{9F5408C0-2474-423A-B85C-8368ECB50913}" type="slidenum">
+            <a:fld id="{636907A0-E3BA-439A-84B3-30BEEBAB6D7F}" type="slidenum">
               <a:rPr b="0" lang="en-US" sz="1400" spc="-1" strike="noStrike">
                 <a:latin typeface="Times New Roman"/>
               </a:rPr>
@@ -359,7 +359,7 @@
         <p:spPr>
           <a:xfrm>
             <a:off x="380880" y="685800"/>
-            <a:ext cx="6091920" cy="3425040"/>
+            <a:ext cx="6091560" cy="3424680"/>
           </a:xfrm>
           <a:prstGeom prst="rect">
             <a:avLst/>
@@ -382,7 +382,7 @@
         <p:spPr>
           <a:xfrm>
             <a:off x="685800" y="4343400"/>
-            <a:ext cx="5482440" cy="4110840"/>
+            <a:ext cx="5482080" cy="4110480"/>
           </a:xfrm>
           <a:prstGeom prst="rect">
             <a:avLst/>
@@ -416,7 +416,7 @@
         <p:spPr>
           <a:xfrm>
             <a:off x="3884760" y="8685360"/>
-            <a:ext cx="2967840" cy="453240"/>
+            <a:ext cx="2967480" cy="452880"/>
           </a:xfrm>
           <a:prstGeom prst="rect">
             <a:avLst/>
@@ -452,7 +452,7 @@
               </a:lnSpc>
               <a:buNone/>
             </a:pPr>
-            <a:fld id="{36709AA4-21A4-4842-8A95-5759A79229F0}" type="slidenum">
+            <a:fld id="{3055C26D-3F0B-47D0-A5E1-6BF658FA54D5}" type="slidenum">
               <a:rPr b="0" lang="en-US" sz="1200" spc="-1" strike="noStrike">
                 <a:solidFill>
                   <a:srgbClr val="000000"/>
@@ -503,7 +503,7 @@
         <p:spPr>
           <a:xfrm>
             <a:off x="380880" y="685800"/>
-            <a:ext cx="6091920" cy="3425040"/>
+            <a:ext cx="6091560" cy="3424680"/>
           </a:xfrm>
           <a:prstGeom prst="rect">
             <a:avLst/>
@@ -526,7 +526,7 @@
         <p:spPr>
           <a:xfrm>
             <a:off x="685800" y="4343400"/>
-            <a:ext cx="5482440" cy="4110840"/>
+            <a:ext cx="5482080" cy="4110480"/>
           </a:xfrm>
           <a:prstGeom prst="rect">
             <a:avLst/>
@@ -560,7 +560,7 @@
         <p:spPr>
           <a:xfrm>
             <a:off x="3884760" y="8685360"/>
-            <a:ext cx="2967840" cy="453240"/>
+            <a:ext cx="2967480" cy="452880"/>
           </a:xfrm>
           <a:prstGeom prst="rect">
             <a:avLst/>
@@ -596,7 +596,7 @@
               </a:lnSpc>
               <a:buNone/>
             </a:pPr>
-            <a:fld id="{FD95EAC0-1C39-41BB-A99D-25A43A10FC1D}" type="slidenum">
+            <a:fld id="{D20DBE8C-3741-4D9C-BD19-BF57FECFB6D8}" type="slidenum">
               <a:rPr b="0" lang="en-US" sz="1200" spc="-1" strike="noStrike">
                 <a:solidFill>
                   <a:srgbClr val="000000"/>
@@ -647,7 +647,7 @@
         <p:spPr>
           <a:xfrm>
             <a:off x="380880" y="685800"/>
-            <a:ext cx="6091920" cy="3425040"/>
+            <a:ext cx="6091560" cy="3424680"/>
           </a:xfrm>
           <a:prstGeom prst="rect">
             <a:avLst/>
@@ -670,7 +670,7 @@
         <p:spPr>
           <a:xfrm>
             <a:off x="685800" y="4343400"/>
-            <a:ext cx="5482440" cy="4110840"/>
+            <a:ext cx="5482080" cy="4110480"/>
           </a:xfrm>
           <a:prstGeom prst="rect">
             <a:avLst/>
@@ -704,7 +704,7 @@
         <p:spPr>
           <a:xfrm>
             <a:off x="3884760" y="8685360"/>
-            <a:ext cx="2967840" cy="453240"/>
+            <a:ext cx="2967480" cy="452880"/>
           </a:xfrm>
           <a:prstGeom prst="rect">
             <a:avLst/>
@@ -740,7 +740,7 @@
               </a:lnSpc>
               <a:buNone/>
             </a:pPr>
-            <a:fld id="{DDB84757-E7AE-4931-8B5E-4ECD9C36A733}" type="slidenum">
+            <a:fld id="{A1BCD2AA-5AA5-4722-A19B-578BD09A85D9}" type="slidenum">
               <a:rPr b="0" lang="en-US" sz="1200" spc="-1" strike="noStrike">
                 <a:solidFill>
                   <a:srgbClr val="000000"/>
@@ -791,7 +791,7 @@
         <p:spPr>
           <a:xfrm>
             <a:off x="380880" y="685800"/>
-            <a:ext cx="6091920" cy="3425040"/>
+            <a:ext cx="6091560" cy="3424680"/>
           </a:xfrm>
           <a:prstGeom prst="rect">
             <a:avLst/>
@@ -814,7 +814,7 @@
         <p:spPr>
           <a:xfrm>
             <a:off x="685800" y="4343400"/>
-            <a:ext cx="5482440" cy="4110840"/>
+            <a:ext cx="5482080" cy="4110480"/>
           </a:xfrm>
           <a:prstGeom prst="rect">
             <a:avLst/>
@@ -848,7 +848,7 @@
         <p:spPr>
           <a:xfrm>
             <a:off x="3884760" y="8685360"/>
-            <a:ext cx="2967840" cy="453240"/>
+            <a:ext cx="2967480" cy="452880"/>
           </a:xfrm>
           <a:prstGeom prst="rect">
             <a:avLst/>
@@ -884,7 +884,7 @@
               </a:lnSpc>
               <a:buNone/>
             </a:pPr>
-            <a:fld id="{6746B634-4AA0-4DE1-8040-ADC6CCC82C25}" type="slidenum">
+            <a:fld id="{42457310-ABA1-4988-B69D-D99E5AD29392}" type="slidenum">
               <a:rPr b="0" lang="en-US" sz="1200" spc="-1" strike="noStrike">
                 <a:solidFill>
                   <a:srgbClr val="000000"/>
@@ -935,7 +935,7 @@
         <p:spPr>
           <a:xfrm>
             <a:off x="380880" y="685800"/>
-            <a:ext cx="6091920" cy="3425040"/>
+            <a:ext cx="6091560" cy="3424680"/>
           </a:xfrm>
           <a:prstGeom prst="rect">
             <a:avLst/>
@@ -958,7 +958,7 @@
         <p:spPr>
           <a:xfrm>
             <a:off x="685800" y="4343400"/>
-            <a:ext cx="5482440" cy="4110840"/>
+            <a:ext cx="5482080" cy="4110480"/>
           </a:xfrm>
           <a:prstGeom prst="rect">
             <a:avLst/>
@@ -992,7 +992,7 @@
         <p:spPr>
           <a:xfrm>
             <a:off x="3884760" y="8685360"/>
-            <a:ext cx="2967840" cy="453240"/>
+            <a:ext cx="2967480" cy="452880"/>
           </a:xfrm>
           <a:prstGeom prst="rect">
             <a:avLst/>
@@ -1028,7 +1028,7 @@
               </a:lnSpc>
               <a:buNone/>
             </a:pPr>
-            <a:fld id="{457EC541-C6FB-4C0E-A231-4E08A8F5012F}" type="slidenum">
+            <a:fld id="{15B16891-315C-4507-B9D9-EBA58FEFBF02}" type="slidenum">
               <a:rPr b="0" lang="en-US" sz="1200" spc="-1" strike="noStrike">
                 <a:solidFill>
                   <a:srgbClr val="000000"/>
@@ -1079,7 +1079,7 @@
         <p:spPr>
           <a:xfrm>
             <a:off x="380880" y="685800"/>
-            <a:ext cx="6091920" cy="3425040"/>
+            <a:ext cx="6091560" cy="3424680"/>
           </a:xfrm>
           <a:prstGeom prst="rect">
             <a:avLst/>
@@ -1102,7 +1102,7 @@
         <p:spPr>
           <a:xfrm>
             <a:off x="685800" y="4343400"/>
-            <a:ext cx="5482440" cy="4110840"/>
+            <a:ext cx="5482080" cy="4110480"/>
           </a:xfrm>
           <a:prstGeom prst="rect">
             <a:avLst/>
@@ -1136,7 +1136,7 @@
         <p:spPr>
           <a:xfrm>
             <a:off x="3884760" y="8685360"/>
-            <a:ext cx="2967840" cy="453240"/>
+            <a:ext cx="2967480" cy="452880"/>
           </a:xfrm>
           <a:prstGeom prst="rect">
             <a:avLst/>
@@ -1172,7 +1172,7 @@
               </a:lnSpc>
               <a:buNone/>
             </a:pPr>
-            <a:fld id="{6F4F16A8-FF5D-4308-A356-AD9101A10185}" type="slidenum">
+            <a:fld id="{9F3E89B5-CC61-4742-9F1E-18BD4AD2AA83}" type="slidenum">
               <a:rPr b="0" lang="en-US" sz="1200" spc="-1" strike="noStrike">
                 <a:solidFill>
                   <a:srgbClr val="000000"/>
@@ -1223,7 +1223,7 @@
         <p:spPr>
           <a:xfrm>
             <a:off x="380880" y="685800"/>
-            <a:ext cx="6091920" cy="3425040"/>
+            <a:ext cx="6091560" cy="3424680"/>
           </a:xfrm>
           <a:prstGeom prst="rect">
             <a:avLst/>
@@ -1246,7 +1246,7 @@
         <p:spPr>
           <a:xfrm>
             <a:off x="685800" y="4343400"/>
-            <a:ext cx="5482440" cy="4110840"/>
+            <a:ext cx="5482080" cy="4110480"/>
           </a:xfrm>
           <a:prstGeom prst="rect">
             <a:avLst/>
@@ -1280,7 +1280,7 @@
         <p:spPr>
           <a:xfrm>
             <a:off x="3884760" y="8685360"/>
-            <a:ext cx="2967840" cy="453240"/>
+            <a:ext cx="2967480" cy="452880"/>
           </a:xfrm>
           <a:prstGeom prst="rect">
             <a:avLst/>
@@ -1316,7 +1316,7 @@
               </a:lnSpc>
               <a:buNone/>
             </a:pPr>
-            <a:fld id="{81ADCF6D-7C92-43BF-B0A3-C22A528944E0}" type="slidenum">
+            <a:fld id="{16DC6C65-02A7-447C-9441-C0452772A013}" type="slidenum">
               <a:rPr b="0" lang="en-US" sz="1200" spc="-1" strike="noStrike">
                 <a:solidFill>
                   <a:srgbClr val="000000"/>
@@ -1367,7 +1367,7 @@
         <p:spPr>
           <a:xfrm>
             <a:off x="380880" y="685800"/>
-            <a:ext cx="6091920" cy="3425040"/>
+            <a:ext cx="6091560" cy="3424680"/>
           </a:xfrm>
           <a:prstGeom prst="rect">
             <a:avLst/>
@@ -1390,7 +1390,7 @@
         <p:spPr>
           <a:xfrm>
             <a:off x="685800" y="4343400"/>
-            <a:ext cx="5482440" cy="4110840"/>
+            <a:ext cx="5482080" cy="4110480"/>
           </a:xfrm>
           <a:prstGeom prst="rect">
             <a:avLst/>
@@ -1424,7 +1424,7 @@
         <p:spPr>
           <a:xfrm>
             <a:off x="3884760" y="8685360"/>
-            <a:ext cx="2967840" cy="453240"/>
+            <a:ext cx="2967480" cy="452880"/>
           </a:xfrm>
           <a:prstGeom prst="rect">
             <a:avLst/>
@@ -1460,7 +1460,7 @@
               </a:lnSpc>
               <a:buNone/>
             </a:pPr>
-            <a:fld id="{873B02DC-EFAE-4E2E-8881-A96057874B4E}" type="slidenum">
+            <a:fld id="{083C4933-E80F-4C05-A35B-B0D56556EA1B}" type="slidenum">
               <a:rPr b="0" lang="en-US" sz="1200" spc="-1" strike="noStrike">
                 <a:solidFill>
                   <a:srgbClr val="000000"/>
@@ -1511,7 +1511,7 @@
         <p:spPr>
           <a:xfrm>
             <a:off x="380880" y="685800"/>
-            <a:ext cx="6091920" cy="3425040"/>
+            <a:ext cx="6091560" cy="3424680"/>
           </a:xfrm>
           <a:prstGeom prst="rect">
             <a:avLst/>
@@ -1534,7 +1534,7 @@
         <p:spPr>
           <a:xfrm>
             <a:off x="685800" y="4343400"/>
-            <a:ext cx="5482440" cy="4110840"/>
+            <a:ext cx="5482080" cy="4110480"/>
           </a:xfrm>
           <a:prstGeom prst="rect">
             <a:avLst/>
@@ -1568,7 +1568,7 @@
         <p:spPr>
           <a:xfrm>
             <a:off x="3884760" y="8685360"/>
-            <a:ext cx="2967840" cy="453240"/>
+            <a:ext cx="2967480" cy="452880"/>
           </a:xfrm>
           <a:prstGeom prst="rect">
             <a:avLst/>
@@ -1604,7 +1604,7 @@
               </a:lnSpc>
               <a:buNone/>
             </a:pPr>
-            <a:fld id="{47208206-3230-4F12-90C5-B1D811268FF1}" type="slidenum">
+            <a:fld id="{0B88CF82-9EE3-433A-ACAA-0D1680F835B8}" type="slidenum">
               <a:rPr b="0" lang="en-US" sz="1200" spc="-1" strike="noStrike">
                 <a:solidFill>
                   <a:srgbClr val="000000"/>
@@ -1655,7 +1655,7 @@
         <p:spPr>
           <a:xfrm>
             <a:off x="380880" y="685800"/>
-            <a:ext cx="6091920" cy="3425040"/>
+            <a:ext cx="6091560" cy="3424680"/>
           </a:xfrm>
           <a:prstGeom prst="rect">
             <a:avLst/>
@@ -1678,7 +1678,7 @@
         <p:spPr>
           <a:xfrm>
             <a:off x="685800" y="4343400"/>
-            <a:ext cx="5482440" cy="4110840"/>
+            <a:ext cx="5482080" cy="4110480"/>
           </a:xfrm>
           <a:prstGeom prst="rect">
             <a:avLst/>
@@ -1712,7 +1712,7 @@
         <p:spPr>
           <a:xfrm>
             <a:off x="3884760" y="8685360"/>
-            <a:ext cx="2967840" cy="453240"/>
+            <a:ext cx="2967480" cy="452880"/>
           </a:xfrm>
           <a:prstGeom prst="rect">
             <a:avLst/>
@@ -1748,7 +1748,7 @@
               </a:lnSpc>
               <a:buNone/>
             </a:pPr>
-            <a:fld id="{886B4E25-2BD8-4034-97CC-A959121D6C87}" type="slidenum">
+            <a:fld id="{296F7AB3-D99D-41C7-8B70-D31FC3CAF6F4}" type="slidenum">
               <a:rPr b="0" lang="en-US" sz="1200" spc="-1" strike="noStrike">
                 <a:solidFill>
                   <a:srgbClr val="000000"/>
@@ -1799,7 +1799,7 @@
         <p:spPr>
           <a:xfrm>
             <a:off x="380880" y="685800"/>
-            <a:ext cx="6091920" cy="3425040"/>
+            <a:ext cx="6091560" cy="3424680"/>
           </a:xfrm>
           <a:prstGeom prst="rect">
             <a:avLst/>
@@ -1822,7 +1822,7 @@
         <p:spPr>
           <a:xfrm>
             <a:off x="685800" y="4343400"/>
-            <a:ext cx="5482440" cy="4110840"/>
+            <a:ext cx="5482080" cy="4110480"/>
           </a:xfrm>
           <a:prstGeom prst="rect">
             <a:avLst/>
@@ -1856,7 +1856,7 @@
         <p:spPr>
           <a:xfrm>
             <a:off x="3884760" y="8685360"/>
-            <a:ext cx="2967840" cy="453240"/>
+            <a:ext cx="2967480" cy="452880"/>
           </a:xfrm>
           <a:prstGeom prst="rect">
             <a:avLst/>
@@ -1892,7 +1892,7 @@
               </a:lnSpc>
               <a:buNone/>
             </a:pPr>
-            <a:fld id="{5F9532B6-5D29-46D7-AD47-ADE57CA90164}" type="slidenum">
+            <a:fld id="{014AFD15-F3C0-4DE2-AB61-DF09C15D5EEB}" type="slidenum">
               <a:rPr b="0" lang="en-US" sz="1200" spc="-1" strike="noStrike">
                 <a:solidFill>
                   <a:srgbClr val="000000"/>
@@ -1943,7 +1943,7 @@
         <p:spPr>
           <a:xfrm>
             <a:off x="380880" y="685800"/>
-            <a:ext cx="6091920" cy="3425040"/>
+            <a:ext cx="6091560" cy="3424680"/>
           </a:xfrm>
           <a:prstGeom prst="rect">
             <a:avLst/>
@@ -1966,7 +1966,7 @@
         <p:spPr>
           <a:xfrm>
             <a:off x="685800" y="4343400"/>
-            <a:ext cx="5482440" cy="4110840"/>
+            <a:ext cx="5482080" cy="4110480"/>
           </a:xfrm>
           <a:prstGeom prst="rect">
             <a:avLst/>
@@ -2000,7 +2000,7 @@
         <p:spPr>
           <a:xfrm>
             <a:off x="3884760" y="8685360"/>
-            <a:ext cx="2967840" cy="453240"/>
+            <a:ext cx="2967480" cy="452880"/>
           </a:xfrm>
           <a:prstGeom prst="rect">
             <a:avLst/>
@@ -2036,7 +2036,7 @@
               </a:lnSpc>
               <a:buNone/>
             </a:pPr>
-            <a:fld id="{CD83B48D-CF17-45E8-883E-B073132F3D1E}" type="slidenum">
+            <a:fld id="{F13E8932-C5B8-4829-BEDD-6D36EEA26561}" type="slidenum">
               <a:rPr b="0" lang="en-US" sz="1200" spc="-1" strike="noStrike">
                 <a:solidFill>
                   <a:srgbClr val="000000"/>
@@ -2087,7 +2087,7 @@
         <p:spPr>
           <a:xfrm>
             <a:off x="380880" y="685800"/>
-            <a:ext cx="6091920" cy="3425040"/>
+            <a:ext cx="6091560" cy="3424680"/>
           </a:xfrm>
           <a:prstGeom prst="rect">
             <a:avLst/>
@@ -2110,7 +2110,7 @@
         <p:spPr>
           <a:xfrm>
             <a:off x="685800" y="4343400"/>
-            <a:ext cx="5482440" cy="4110840"/>
+            <a:ext cx="5482080" cy="4110480"/>
           </a:xfrm>
           <a:prstGeom prst="rect">
             <a:avLst/>
@@ -2144,7 +2144,7 @@
         <p:spPr>
           <a:xfrm>
             <a:off x="3884760" y="8685360"/>
-            <a:ext cx="2967840" cy="453240"/>
+            <a:ext cx="2967480" cy="452880"/>
           </a:xfrm>
           <a:prstGeom prst="rect">
             <a:avLst/>
@@ -2180,7 +2180,7 @@
               </a:lnSpc>
               <a:buNone/>
             </a:pPr>
-            <a:fld id="{363C7357-A564-4B3D-A64C-E8EE8718570E}" type="slidenum">
+            <a:fld id="{AF5AD9A0-1CF8-4664-8F16-EC6DD82B9794}" type="slidenum">
               <a:rPr b="0" lang="en-US" sz="1200" spc="-1" strike="noStrike">
                 <a:solidFill>
                   <a:srgbClr val="000000"/>
@@ -2231,7 +2231,7 @@
         <p:spPr>
           <a:xfrm>
             <a:off x="380880" y="685800"/>
-            <a:ext cx="6091920" cy="3425040"/>
+            <a:ext cx="6091560" cy="3424680"/>
           </a:xfrm>
           <a:prstGeom prst="rect">
             <a:avLst/>
@@ -2254,7 +2254,7 @@
         <p:spPr>
           <a:xfrm>
             <a:off x="685800" y="4343400"/>
-            <a:ext cx="5482440" cy="4110840"/>
+            <a:ext cx="5482080" cy="4110480"/>
           </a:xfrm>
           <a:prstGeom prst="rect">
             <a:avLst/>
@@ -2288,7 +2288,7 @@
         <p:spPr>
           <a:xfrm>
             <a:off x="3884760" y="8685360"/>
-            <a:ext cx="2967840" cy="453240"/>
+            <a:ext cx="2967480" cy="452880"/>
           </a:xfrm>
           <a:prstGeom prst="rect">
             <a:avLst/>
@@ -2324,7 +2324,7 @@
               </a:lnSpc>
               <a:buNone/>
             </a:pPr>
-            <a:fld id="{142B4CAE-4207-4D30-A7B8-BB75E3DEAA4B}" type="slidenum">
+            <a:fld id="{F1391EEF-779B-44EE-B784-A4397202E7DD}" type="slidenum">
               <a:rPr b="0" lang="en-US" sz="1200" spc="-1" strike="noStrike">
                 <a:solidFill>
                   <a:srgbClr val="000000"/>
@@ -2375,7 +2375,7 @@
         <p:spPr>
           <a:xfrm>
             <a:off x="380880" y="685800"/>
-            <a:ext cx="6091920" cy="3425040"/>
+            <a:ext cx="6091560" cy="3424680"/>
           </a:xfrm>
           <a:prstGeom prst="rect">
             <a:avLst/>
@@ -2398,7 +2398,7 @@
         <p:spPr>
           <a:xfrm>
             <a:off x="685800" y="4343400"/>
-            <a:ext cx="5482440" cy="4110840"/>
+            <a:ext cx="5482080" cy="4110480"/>
           </a:xfrm>
           <a:prstGeom prst="rect">
             <a:avLst/>
@@ -2432,7 +2432,7 @@
         <p:spPr>
           <a:xfrm>
             <a:off x="3884760" y="8685360"/>
-            <a:ext cx="2967840" cy="453240"/>
+            <a:ext cx="2967480" cy="452880"/>
           </a:xfrm>
           <a:prstGeom prst="rect">
             <a:avLst/>
@@ -2468,7 +2468,7 @@
               </a:lnSpc>
               <a:buNone/>
             </a:pPr>
-            <a:fld id="{1CC28BF7-5AE5-4C55-ACF6-4BBF57AB1D02}" type="slidenum">
+            <a:fld id="{CFCCCB0C-3831-42B0-BE0E-03B9C2D4406E}" type="slidenum">
               <a:rPr b="0" lang="en-US" sz="1200" spc="-1" strike="noStrike">
                 <a:solidFill>
                   <a:srgbClr val="000000"/>
@@ -2519,7 +2519,7 @@
         <p:spPr>
           <a:xfrm>
             <a:off x="380880" y="685800"/>
-            <a:ext cx="6091920" cy="3425040"/>
+            <a:ext cx="6091560" cy="3424680"/>
           </a:xfrm>
           <a:prstGeom prst="rect">
             <a:avLst/>
@@ -2542,7 +2542,7 @@
         <p:spPr>
           <a:xfrm>
             <a:off x="685800" y="4343400"/>
-            <a:ext cx="5482440" cy="4110840"/>
+            <a:ext cx="5482080" cy="4110480"/>
           </a:xfrm>
           <a:prstGeom prst="rect">
             <a:avLst/>
@@ -2576,7 +2576,7 @@
         <p:spPr>
           <a:xfrm>
             <a:off x="3884760" y="8685360"/>
-            <a:ext cx="2967840" cy="453240"/>
+            <a:ext cx="2967480" cy="452880"/>
           </a:xfrm>
           <a:prstGeom prst="rect">
             <a:avLst/>
@@ -2612,7 +2612,7 @@
               </a:lnSpc>
               <a:buNone/>
             </a:pPr>
-            <a:fld id="{D9940C01-2436-4663-B998-B3B440104A81}" type="slidenum">
+            <a:fld id="{F78AEE9E-4EB1-459D-B6A9-FA71C380915A}" type="slidenum">
               <a:rPr b="0" lang="en-US" sz="1200" spc="-1" strike="noStrike">
                 <a:solidFill>
                   <a:srgbClr val="000000"/>
@@ -2663,7 +2663,7 @@
         <p:spPr>
           <a:xfrm>
             <a:off x="380880" y="685800"/>
-            <a:ext cx="6091920" cy="3425040"/>
+            <a:ext cx="6091560" cy="3424680"/>
           </a:xfrm>
           <a:prstGeom prst="rect">
             <a:avLst/>
@@ -2686,7 +2686,7 @@
         <p:spPr>
           <a:xfrm>
             <a:off x="685800" y="4343400"/>
-            <a:ext cx="5482440" cy="4110840"/>
+            <a:ext cx="5482080" cy="4110480"/>
           </a:xfrm>
           <a:prstGeom prst="rect">
             <a:avLst/>
@@ -2720,7 +2720,7 @@
         <p:spPr>
           <a:xfrm>
             <a:off x="3884760" y="8685360"/>
-            <a:ext cx="2967840" cy="453240"/>
+            <a:ext cx="2967480" cy="452880"/>
           </a:xfrm>
           <a:prstGeom prst="rect">
             <a:avLst/>
@@ -2756,7 +2756,7 @@
               </a:lnSpc>
               <a:buNone/>
             </a:pPr>
-            <a:fld id="{4980B4ED-1691-42A2-8343-B62B13D17131}" type="slidenum">
+            <a:fld id="{286755DB-6551-4C65-B614-A28966FA6CDF}" type="slidenum">
               <a:rPr b="0" lang="en-US" sz="1200" spc="-1" strike="noStrike">
                 <a:solidFill>
                   <a:srgbClr val="000000"/>
@@ -2807,7 +2807,7 @@
         <p:spPr>
           <a:xfrm>
             <a:off x="380880" y="685800"/>
-            <a:ext cx="6091920" cy="3425040"/>
+            <a:ext cx="6091560" cy="3424680"/>
           </a:xfrm>
           <a:prstGeom prst="rect">
             <a:avLst/>
@@ -2830,7 +2830,7 @@
         <p:spPr>
           <a:xfrm>
             <a:off x="685800" y="4343400"/>
-            <a:ext cx="5482440" cy="4110840"/>
+            <a:ext cx="5482080" cy="4110480"/>
           </a:xfrm>
           <a:prstGeom prst="rect">
             <a:avLst/>
@@ -2864,7 +2864,7 @@
         <p:spPr>
           <a:xfrm>
             <a:off x="3884760" y="8685360"/>
-            <a:ext cx="2967840" cy="453240"/>
+            <a:ext cx="2967480" cy="452880"/>
           </a:xfrm>
           <a:prstGeom prst="rect">
             <a:avLst/>
@@ -2900,7 +2900,7 @@
               </a:lnSpc>
               <a:buNone/>
             </a:pPr>
-            <a:fld id="{CA53DFE7-4558-4FBF-AA24-810468AEC1A1}" type="slidenum">
+            <a:fld id="{6E6BBFB1-4398-4438-9D13-14B1F20B0F1B}" type="slidenum">
               <a:rPr b="0" lang="en-US" sz="1200" spc="-1" strike="noStrike">
                 <a:solidFill>
                   <a:srgbClr val="000000"/>
@@ -2951,7 +2951,7 @@
         <p:spPr>
           <a:xfrm>
             <a:off x="380880" y="685800"/>
-            <a:ext cx="6091920" cy="3425040"/>
+            <a:ext cx="6091560" cy="3424680"/>
           </a:xfrm>
           <a:prstGeom prst="rect">
             <a:avLst/>
@@ -2974,7 +2974,7 @@
         <p:spPr>
           <a:xfrm>
             <a:off x="685800" y="4343400"/>
-            <a:ext cx="5482440" cy="4110840"/>
+            <a:ext cx="5482080" cy="4110480"/>
           </a:xfrm>
           <a:prstGeom prst="rect">
             <a:avLst/>
@@ -3008,7 +3008,7 @@
         <p:spPr>
           <a:xfrm>
             <a:off x="3884760" y="8685360"/>
-            <a:ext cx="2967840" cy="453240"/>
+            <a:ext cx="2967480" cy="452880"/>
           </a:xfrm>
           <a:prstGeom prst="rect">
             <a:avLst/>
@@ -3044,7 +3044,7 @@
               </a:lnSpc>
               <a:buNone/>
             </a:pPr>
-            <a:fld id="{A988A2B8-DC3D-4C53-AB0E-FDABC8618FF8}" type="slidenum">
+            <a:fld id="{9D500B72-6042-4D24-AB3E-3AAF2AEA2C7D}" type="slidenum">
               <a:rPr b="0" lang="en-US" sz="1200" spc="-1" strike="noStrike">
                 <a:solidFill>
                   <a:srgbClr val="000000"/>
@@ -3095,7 +3095,7 @@
         <p:spPr>
           <a:xfrm>
             <a:off x="380880" y="685800"/>
-            <a:ext cx="6091920" cy="3425040"/>
+            <a:ext cx="6091560" cy="3424680"/>
           </a:xfrm>
           <a:prstGeom prst="rect">
             <a:avLst/>
@@ -3118,7 +3118,7 @@
         <p:spPr>
           <a:xfrm>
             <a:off x="685800" y="4343400"/>
-            <a:ext cx="5482440" cy="4110840"/>
+            <a:ext cx="5482080" cy="4110480"/>
           </a:xfrm>
           <a:prstGeom prst="rect">
             <a:avLst/>
@@ -3152,7 +3152,7 @@
         <p:spPr>
           <a:xfrm>
             <a:off x="3884760" y="8685360"/>
-            <a:ext cx="2967840" cy="453240"/>
+            <a:ext cx="2967480" cy="452880"/>
           </a:xfrm>
           <a:prstGeom prst="rect">
             <a:avLst/>
@@ -3188,7 +3188,7 @@
               </a:lnSpc>
               <a:buNone/>
             </a:pPr>
-            <a:fld id="{D7BEA371-8B18-45AC-AA4A-B1F0D43E1810}" type="slidenum">
+            <a:fld id="{FF434179-5FD1-4886-9B60-E6FC0C13F96F}" type="slidenum">
               <a:rPr b="0" lang="en-US" sz="1200" spc="-1" strike="noStrike">
                 <a:solidFill>
                   <a:srgbClr val="000000"/>
@@ -3260,7 +3260,7 @@
         <p:txBody>
           <a:bodyPr/>
           <a:p>
-            <a:fld id="{7F71CF0A-4AB8-493C-815F-3CC4C0D9DF9E}" type="slidenum">
+            <a:fld id="{F0D1AB9A-CF70-473A-A626-52E34E6962A3}" type="slidenum">
               <a:t>&lt;#&gt;</a:t>
             </a:fld>
           </a:p>
@@ -3448,7 +3448,7 @@
         <p:txBody>
           <a:bodyPr/>
           <a:p>
-            <a:fld id="{8E3FEDF1-D569-4B27-93F0-91DD8B33B763}" type="slidenum">
+            <a:fld id="{CF3B3CF7-E92B-4E9C-9E6C-003E6D7CF156}" type="slidenum">
               <a:t>&lt;#&gt;</a:t>
             </a:fld>
           </a:p>
@@ -3704,7 +3704,7 @@
         <p:txBody>
           <a:bodyPr/>
           <a:p>
-            <a:fld id="{9D2A32C7-1BA1-4187-B9EC-D9384E43ABAF}" type="slidenum">
+            <a:fld id="{BA8EABBA-D9FF-46FC-80A9-782366FAE5F8}" type="slidenum">
               <a:t>&lt;#&gt;</a:t>
             </a:fld>
           </a:p>
@@ -4028,7 +4028,7 @@
         <p:txBody>
           <a:bodyPr/>
           <a:p>
-            <a:fld id="{8E58032B-AACF-4AC7-ABC4-6D25D9282056}" type="slidenum">
+            <a:fld id="{2B4264C8-5F20-4DDF-901E-B75557C0A13C}" type="slidenum">
               <a:t>&lt;#&gt;</a:t>
             </a:fld>
           </a:p>
@@ -4185,7 +4185,7 @@
         <p:txBody>
           <a:bodyPr/>
           <a:p>
-            <a:fld id="{708F5D48-E553-4D45-95D9-4014E530F0BB}" type="slidenum">
+            <a:fld id="{7888A67C-BC38-4AA7-9020-8F3546665612}" type="slidenum">
               <a:t>&lt;#&gt;</a:t>
             </a:fld>
           </a:p>
@@ -4339,7 +4339,7 @@
         <p:txBody>
           <a:bodyPr/>
           <a:p>
-            <a:fld id="{A8449B04-E8BA-47FA-B12F-69941860EEF9}" type="slidenum">
+            <a:fld id="{96F8D0D9-5499-4975-A94A-D770B8B78834}" type="slidenum">
               <a:t>&lt;#&gt;</a:t>
             </a:fld>
           </a:p>
@@ -4527,7 +4527,7 @@
         <p:txBody>
           <a:bodyPr/>
           <a:p>
-            <a:fld id="{288F2033-0459-4B1D-8F33-80D2810DC19B}" type="slidenum">
+            <a:fld id="{86B23051-0CE3-4CD7-B8E5-6CC5C59810B7}" type="slidenum">
               <a:t>&lt;#&gt;</a:t>
             </a:fld>
           </a:p>
@@ -4647,7 +4647,7 @@
         <p:txBody>
           <a:bodyPr/>
           <a:p>
-            <a:fld id="{C45881C1-6EC3-4C6E-B17B-B7CA7644D4F4}" type="slidenum">
+            <a:fld id="{ACF14647-8464-4AE7-A481-5A2152BAB9FB}" type="slidenum">
               <a:t>&lt;#&gt;</a:t>
             </a:fld>
           </a:p>
@@ -4767,7 +4767,7 @@
         <p:txBody>
           <a:bodyPr/>
           <a:p>
-            <a:fld id="{72867B74-BFD7-48A5-AE84-BC6A564F35F0}" type="slidenum">
+            <a:fld id="{64B02FAB-9B77-4B8F-8290-A0115AEFAB07}" type="slidenum">
               <a:t>&lt;#&gt;</a:t>
             </a:fld>
           </a:p>
@@ -4989,7 +4989,7 @@
         <p:txBody>
           <a:bodyPr/>
           <a:p>
-            <a:fld id="{927C0656-F51C-4AD4-8D2C-D9D15186B9EF}" type="slidenum">
+            <a:fld id="{1267DBC9-8AB2-4929-80BC-A73F0B78A386}" type="slidenum">
               <a:t>&lt;#&gt;</a:t>
             </a:fld>
           </a:p>
@@ -5211,7 +5211,7 @@
         <p:txBody>
           <a:bodyPr/>
           <a:p>
-            <a:fld id="{0AF90DAA-437D-4A8C-827B-DE228170FBB2}" type="slidenum">
+            <a:fld id="{FE8011A8-B89B-4F49-A08E-18F2F92AB71F}" type="slidenum">
               <a:t>&lt;#&gt;</a:t>
             </a:fld>
           </a:p>
@@ -5433,7 +5433,7 @@
         <p:txBody>
           <a:bodyPr/>
           <a:p>
-            <a:fld id="{C6C6AD40-FD6D-4024-8232-2F0A43DA9813}" type="slidenum">
+            <a:fld id="{FB05D6C1-3D31-40BD-B7CE-4634461ED642}" type="slidenum">
               <a:t>&lt;#&gt;</a:t>
             </a:fld>
           </a:p>
@@ -5502,7 +5502,7 @@
         <p:spPr>
           <a:xfrm>
             <a:off x="3028680" y="4771440"/>
-            <a:ext cx="3082680" cy="270720"/>
+            <a:ext cx="3082320" cy="270360"/>
           </a:xfrm>
           <a:prstGeom prst="rect">
             <a:avLst/>
@@ -5546,7 +5546,7 @@
                 <a:latin typeface="Times New Roman"/>
                 <a:ea typeface="DejaVu Sans"/>
               </a:rPr>
-              <a:t> </a:t>
+              <a:t>&lt;footer&gt;</a:t>
             </a:r>
             <a:endParaRPr b="0" lang="en-US" sz="1400" spc="-1" strike="noStrike">
               <a:latin typeface="Times New Roman"/>
@@ -5567,7 +5567,7 @@
         <p:spPr>
           <a:xfrm>
             <a:off x="6457680" y="4771440"/>
-            <a:ext cx="2054160" cy="270720"/>
+            <a:ext cx="2053800" cy="270360"/>
           </a:xfrm>
           <a:prstGeom prst="rect">
             <a:avLst/>
@@ -5603,7 +5603,7 @@
               </a:lnSpc>
               <a:buNone/>
             </a:pPr>
-            <a:fld id="{B945EF35-29E0-4C03-BC70-4229DFC6DB53}" type="slidenum">
+            <a:fld id="{6F1107AB-E84C-404D-B048-B8676B1AC81B}" type="slidenum">
               <a:rPr b="0" lang="en-US" sz="1200" spc="-1" strike="noStrike">
                 <a:solidFill>
                   <a:srgbClr val="8b8b8b"/>
@@ -5611,7 +5611,7 @@
                 <a:latin typeface="Calibri"/>
                 <a:ea typeface="DejaVu Sans"/>
               </a:rPr>
-              <a:t>19</a:t>
+              <a:t>&lt;number&gt;</a:t>
             </a:fld>
             <a:endParaRPr b="0" lang="en-US" sz="1200" spc="-1" strike="noStrike">
               <a:latin typeface="Times New Roman"/>
@@ -5632,7 +5632,7 @@
         <p:spPr>
           <a:xfrm>
             <a:off x="628200" y="4771440"/>
-            <a:ext cx="2054160" cy="270720"/>
+            <a:ext cx="2053800" cy="270360"/>
           </a:xfrm>
           <a:prstGeom prst="rect">
             <a:avLst/>
@@ -5658,7 +5658,7 @@
               <a:rPr b="0" lang="en-US" sz="1400" spc="-1" strike="noStrike">
                 <a:latin typeface="Times New Roman"/>
               </a:rPr>
-              <a:t> </a:t>
+              <a:t>&lt;date/time&gt;</a:t>
             </a:r>
             <a:endParaRPr b="0" lang="en-US" sz="1400" spc="-1" strike="noStrike">
               <a:latin typeface="Times New Roman"/>
@@ -5944,8 +5944,8 @@
         </p:nvSpPr>
         <p:spPr>
           <a:xfrm rot="2744400">
-            <a:off x="-281520" y="-25920"/>
-            <a:ext cx="704880" cy="704520"/>
+            <a:off x="-281160" y="-25920"/>
+            <a:ext cx="704520" cy="704160"/>
           </a:xfrm>
           <a:prstGeom prst="roundRect">
             <a:avLst>
@@ -5983,7 +5983,7 @@
         <p:spPr>
           <a:xfrm rot="2625600">
             <a:off x="6024960" y="4332960"/>
-            <a:ext cx="468720" cy="468720"/>
+            <a:ext cx="468360" cy="468360"/>
           </a:xfrm>
           <a:prstGeom prst="roundRect">
             <a:avLst>
@@ -6020,8 +6020,8 @@
         </p:nvSpPr>
         <p:spPr>
           <a:xfrm rot="18679200">
-            <a:off x="7004160" y="948600"/>
-            <a:ext cx="4940280" cy="4666680"/>
+            <a:off x="7003800" y="948600"/>
+            <a:ext cx="4939920" cy="4666320"/>
           </a:xfrm>
           <a:prstGeom prst="roundRect">
             <a:avLst>
@@ -6059,7 +6059,7 @@
         <p:spPr>
           <a:xfrm>
             <a:off x="459720" y="4671360"/>
-            <a:ext cx="2995920" cy="266760"/>
+            <a:ext cx="2995560" cy="266400"/>
           </a:xfrm>
           <a:prstGeom prst="rect">
             <a:avLst/>
@@ -6124,8 +6124,8 @@
         </p:blipFill>
         <p:spPr>
           <a:xfrm>
-            <a:off x="2423160" y="4671720"/>
-            <a:ext cx="288360" cy="288360"/>
+            <a:off x="2997000" y="4741200"/>
+            <a:ext cx="288000" cy="288000"/>
           </a:xfrm>
           <a:prstGeom prst="rect">
             <a:avLst/>
@@ -6144,7 +6144,7 @@
         <p:spPr>
           <a:xfrm>
             <a:off x="484920" y="1681560"/>
-            <a:ext cx="5481360" cy="1882800"/>
+            <a:ext cx="5481000" cy="1882440"/>
           </a:xfrm>
           <a:prstGeom prst="rect">
             <a:avLst/>
@@ -6232,8 +6232,8 @@
         </p:nvSpPr>
         <p:spPr>
           <a:xfrm rot="2744400">
-            <a:off x="-281520" y="-25920"/>
-            <a:ext cx="704880" cy="704520"/>
+            <a:off x="-281160" y="-25920"/>
+            <a:ext cx="704520" cy="704160"/>
           </a:xfrm>
           <a:prstGeom prst="roundRect">
             <a:avLst>
@@ -6271,7 +6271,7 @@
         <p:spPr>
           <a:xfrm rot="2332200">
             <a:off x="6009480" y="-319680"/>
-            <a:ext cx="4856040" cy="7727040"/>
+            <a:ext cx="4855680" cy="7726680"/>
           </a:xfrm>
           <a:prstGeom prst="roundRect">
             <a:avLst>
@@ -6309,9 +6309,9 @@
         <p:grpSpPr>
           <a:xfrm>
             <a:off x="4571640" y="828000"/>
-            <a:ext cx="4468680" cy="3564720"/>
+            <a:ext cx="4468320" cy="3564360"/>
             <a:chOff x="4571640" y="828000"/>
-            <a:chExt cx="4468680" cy="3564720"/>
+            <a:chExt cx="4468320" cy="3564360"/>
           </a:xfrm>
         </p:grpSpPr>
         <p:pic>
@@ -6327,7 +6327,7 @@
           <p:spPr>
             <a:xfrm>
               <a:off x="4571640" y="828000"/>
-              <a:ext cx="4468680" cy="3564720"/>
+              <a:ext cx="4468320" cy="3564360"/>
             </a:xfrm>
             <a:prstGeom prst="rect">
               <a:avLst/>
@@ -6345,8 +6345,8 @@
           </p:nvSpPr>
           <p:spPr>
             <a:xfrm rot="16200000">
-              <a:off x="5962680" y="1158480"/>
-              <a:ext cx="1737720" cy="2771640"/>
+              <a:off x="5962680" y="1158840"/>
+              <a:ext cx="1737360" cy="2771280"/>
             </a:xfrm>
             <a:prstGeom prst="roundRect">
               <a:avLst>
@@ -6413,7 +6413,7 @@
         <p:spPr>
           <a:xfrm>
             <a:off x="5446080" y="1672200"/>
-            <a:ext cx="2771280" cy="1737720"/>
+            <a:ext cx="2770920" cy="1737360"/>
           </a:xfrm>
           <a:prstGeom prst="rect">
             <a:avLst/>
@@ -6465,7 +6465,7 @@
         <p:spPr>
           <a:xfrm>
             <a:off x="586440" y="1246680"/>
-            <a:ext cx="4004640" cy="3600360"/>
+            <a:ext cx="4004280" cy="3600000"/>
           </a:xfrm>
           <a:prstGeom prst="rect">
             <a:avLst/>
@@ -6517,7 +6517,7 @@
         <p:spPr>
           <a:xfrm>
             <a:off x="586440" y="453960"/>
-            <a:ext cx="4764600" cy="855720"/>
+            <a:ext cx="4764240" cy="855360"/>
           </a:xfrm>
           <a:prstGeom prst="rect">
             <a:avLst/>
@@ -6606,7 +6606,7 @@
         <p:spPr>
           <a:xfrm rot="2745600">
             <a:off x="8349840" y="-668160"/>
-            <a:ext cx="1498680" cy="1498680"/>
+            <a:ext cx="1498320" cy="1498320"/>
           </a:xfrm>
           <a:prstGeom prst="roundRect">
             <a:avLst>
@@ -6643,8 +6643,8 @@
         </p:nvSpPr>
         <p:spPr>
           <a:xfrm rot="2745600">
-            <a:off x="7634160" y="-322560"/>
-            <a:ext cx="807480" cy="807840"/>
+            <a:off x="7634160" y="-322200"/>
+            <a:ext cx="807120" cy="807480"/>
           </a:xfrm>
           <a:prstGeom prst="roundRect">
             <a:avLst>
@@ -6683,7 +6683,7 @@
         <p:spPr>
           <a:xfrm>
             <a:off x="586440" y="899640"/>
-            <a:ext cx="7932240" cy="1537560"/>
+            <a:ext cx="7931880" cy="1537200"/>
           </a:xfrm>
           <a:prstGeom prst="rect">
             <a:avLst/>
@@ -6735,7 +6735,7 @@
         <p:spPr>
           <a:xfrm>
             <a:off x="608040" y="2545560"/>
-            <a:ext cx="3712680" cy="2256120"/>
+            <a:ext cx="3712320" cy="2255760"/>
           </a:xfrm>
           <a:prstGeom prst="rect">
             <a:avLst/>
@@ -6787,7 +6787,7 @@
         <p:spPr>
           <a:xfrm>
             <a:off x="4806360" y="2545560"/>
-            <a:ext cx="3712680" cy="2256120"/>
+            <a:ext cx="3712320" cy="2255760"/>
           </a:xfrm>
           <a:prstGeom prst="rect">
             <a:avLst/>
@@ -6839,7 +6839,7 @@
         <p:spPr>
           <a:xfrm>
             <a:off x="583200" y="450720"/>
-            <a:ext cx="7198560" cy="512640"/>
+            <a:ext cx="7198200" cy="512280"/>
           </a:xfrm>
           <a:prstGeom prst="rect">
             <a:avLst/>
@@ -6921,7 +6921,7 @@
         <p:spPr>
           <a:xfrm>
             <a:off x="586440" y="1246680"/>
-            <a:ext cx="4004640" cy="3600360"/>
+            <a:ext cx="4004280" cy="3600000"/>
           </a:xfrm>
           <a:prstGeom prst="rect">
             <a:avLst/>
@@ -6973,7 +6973,7 @@
         <p:spPr>
           <a:xfrm>
             <a:off x="559800" y="446040"/>
-            <a:ext cx="4284000" cy="684000"/>
+            <a:ext cx="4283640" cy="683640"/>
           </a:xfrm>
           <a:prstGeom prst="rect">
             <a:avLst/>
@@ -7025,7 +7025,7 @@
         <p:spPr>
           <a:xfrm>
             <a:off x="5097600" y="360"/>
-            <a:ext cx="4380120" cy="5144400"/>
+            <a:ext cx="4379760" cy="5144040"/>
           </a:xfrm>
           <a:prstGeom prst="roundRect">
             <a:avLst>
@@ -7090,8 +7090,8 @@
         </p:nvSpPr>
         <p:spPr>
           <a:xfrm rot="2744400">
-            <a:off x="-281520" y="-25920"/>
-            <a:ext cx="704880" cy="704520"/>
+            <a:off x="-281160" y="-25920"/>
+            <a:ext cx="704520" cy="704160"/>
           </a:xfrm>
           <a:prstGeom prst="roundRect">
             <a:avLst>
@@ -7129,7 +7129,7 @@
         <p:spPr>
           <a:xfrm rot="2625600">
             <a:off x="4861080" y="4146840"/>
-            <a:ext cx="468720" cy="468720"/>
+            <a:ext cx="468360" cy="468360"/>
           </a:xfrm>
           <a:prstGeom prst="roundRect">
             <a:avLst>
@@ -7203,8 +7203,8 @@
         </p:nvSpPr>
         <p:spPr>
           <a:xfrm rot="2744400">
-            <a:off x="-350640" y="4540320"/>
-            <a:ext cx="704880" cy="704520"/>
+            <a:off x="-350280" y="4539960"/>
+            <a:ext cx="704520" cy="704160"/>
           </a:xfrm>
           <a:prstGeom prst="roundRect">
             <a:avLst>
@@ -7241,8 +7241,8 @@
         </p:nvSpPr>
         <p:spPr>
           <a:xfrm rot="19228200">
-            <a:off x="5846760" y="-2266920"/>
-            <a:ext cx="4855680" cy="7726680"/>
+            <a:off x="5846400" y="-2266560"/>
+            <a:ext cx="4855320" cy="7726320"/>
           </a:xfrm>
           <a:prstGeom prst="roundRect">
             <a:avLst>
@@ -7280,9 +7280,9 @@
         <p:grpSpPr>
           <a:xfrm>
             <a:off x="4571640" y="828000"/>
-            <a:ext cx="4468680" cy="3564720"/>
+            <a:ext cx="4468320" cy="3564360"/>
             <a:chOff x="4571640" y="828000"/>
-            <a:chExt cx="4468680" cy="3564720"/>
+            <a:chExt cx="4468320" cy="3564360"/>
           </a:xfrm>
         </p:grpSpPr>
         <p:pic>
@@ -7298,7 +7298,7 @@
           <p:spPr>
             <a:xfrm>
               <a:off x="4571640" y="828000"/>
-              <a:ext cx="4468680" cy="3564720"/>
+              <a:ext cx="4468320" cy="3564360"/>
             </a:xfrm>
             <a:prstGeom prst="rect">
               <a:avLst/>
@@ -7316,8 +7316,8 @@
           </p:nvSpPr>
           <p:spPr>
             <a:xfrm rot="16200000">
-              <a:off x="5962680" y="1158480"/>
-              <a:ext cx="1737720" cy="2771640"/>
+              <a:off x="5962680" y="1158840"/>
+              <a:ext cx="1737360" cy="2771280"/>
             </a:xfrm>
             <a:prstGeom prst="roundRect">
               <a:avLst>
@@ -7384,7 +7384,7 @@
         <p:spPr>
           <a:xfrm>
             <a:off x="586440" y="1246680"/>
-            <a:ext cx="4004640" cy="3600360"/>
+            <a:ext cx="4004280" cy="3600000"/>
           </a:xfrm>
           <a:prstGeom prst="rect">
             <a:avLst/>
@@ -7436,7 +7436,7 @@
         <p:spPr>
           <a:xfrm>
             <a:off x="5446080" y="1672200"/>
-            <a:ext cx="2780640" cy="1737720"/>
+            <a:ext cx="2780280" cy="1737360"/>
           </a:xfrm>
           <a:prstGeom prst="rect">
             <a:avLst/>
@@ -7488,7 +7488,7 @@
         <p:spPr>
           <a:xfrm>
             <a:off x="586440" y="453960"/>
-            <a:ext cx="3697200" cy="855720"/>
+            <a:ext cx="3696840" cy="855360"/>
           </a:xfrm>
           <a:prstGeom prst="rect">
             <a:avLst/>
@@ -7577,7 +7577,7 @@
         <p:spPr>
           <a:xfrm>
             <a:off x="4222080" y="1246680"/>
-            <a:ext cx="4115520" cy="3600360"/>
+            <a:ext cx="4115160" cy="3600000"/>
           </a:xfrm>
           <a:prstGeom prst="rect">
             <a:avLst/>
@@ -7628,8 +7628,8 @@
         </p:nvSpPr>
         <p:spPr>
           <a:xfrm rot="16200000">
-            <a:off x="-2181600" y="1733040"/>
-            <a:ext cx="5144400" cy="1684440"/>
+            <a:off x="-2181600" y="1733400"/>
+            <a:ext cx="5144040" cy="1684080"/>
           </a:xfrm>
           <a:prstGeom prst="roundRect">
             <a:avLst>
@@ -7666,8 +7666,8 @@
         </p:nvSpPr>
         <p:spPr>
           <a:xfrm rot="2745000">
-            <a:off x="8575200" y="104040"/>
-            <a:ext cx="1132920" cy="1132560"/>
+            <a:off x="8575200" y="103680"/>
+            <a:ext cx="1132560" cy="1132200"/>
           </a:xfrm>
           <a:prstGeom prst="roundRect">
             <a:avLst>
@@ -7704,8 +7704,8 @@
         </p:nvSpPr>
         <p:spPr>
           <a:xfrm rot="16200000">
-            <a:off x="614880" y="918360"/>
-            <a:ext cx="3232440" cy="3314160"/>
+            <a:off x="614880" y="918720"/>
+            <a:ext cx="3232080" cy="3313800"/>
           </a:xfrm>
           <a:prstGeom prst="roundRect">
             <a:avLst>
@@ -7771,7 +7771,7 @@
         <p:spPr>
           <a:xfrm>
             <a:off x="4214160" y="456120"/>
-            <a:ext cx="4112280" cy="855720"/>
+            <a:ext cx="4111920" cy="855360"/>
           </a:xfrm>
           <a:prstGeom prst="rect">
             <a:avLst/>
@@ -7859,8 +7859,8 @@
         </p:nvSpPr>
         <p:spPr>
           <a:xfrm rot="2744400">
-            <a:off x="-281520" y="-25920"/>
-            <a:ext cx="704880" cy="704520"/>
+            <a:off x="-281160" y="-25920"/>
+            <a:ext cx="704520" cy="704160"/>
           </a:xfrm>
           <a:prstGeom prst="roundRect">
             <a:avLst>
@@ -7898,7 +7898,7 @@
         <p:spPr>
           <a:xfrm rot="2332200">
             <a:off x="6009480" y="-319680"/>
-            <a:ext cx="4856040" cy="7727040"/>
+            <a:ext cx="4855680" cy="7726680"/>
           </a:xfrm>
           <a:prstGeom prst="roundRect">
             <a:avLst>
@@ -7936,9 +7936,9 @@
         <p:grpSpPr>
           <a:xfrm>
             <a:off x="4571640" y="828000"/>
-            <a:ext cx="4468680" cy="3564720"/>
+            <a:ext cx="4468320" cy="3564360"/>
             <a:chOff x="4571640" y="828000"/>
-            <a:chExt cx="4468680" cy="3564720"/>
+            <a:chExt cx="4468320" cy="3564360"/>
           </a:xfrm>
         </p:grpSpPr>
         <p:pic>
@@ -7954,7 +7954,7 @@
           <p:spPr>
             <a:xfrm>
               <a:off x="4571640" y="828000"/>
-              <a:ext cx="4468680" cy="3564720"/>
+              <a:ext cx="4468320" cy="3564360"/>
             </a:xfrm>
             <a:prstGeom prst="rect">
               <a:avLst/>
@@ -7972,8 +7972,8 @@
           </p:nvSpPr>
           <p:spPr>
             <a:xfrm rot="16200000">
-              <a:off x="5962680" y="1158480"/>
-              <a:ext cx="1737720" cy="2771640"/>
+              <a:off x="5962680" y="1158840"/>
+              <a:ext cx="1737360" cy="2771280"/>
             </a:xfrm>
             <a:prstGeom prst="roundRect">
               <a:avLst>
@@ -8040,7 +8040,7 @@
         <p:spPr>
           <a:xfrm>
             <a:off x="5446080" y="1672200"/>
-            <a:ext cx="2771280" cy="1737720"/>
+            <a:ext cx="2770920" cy="1737360"/>
           </a:xfrm>
           <a:prstGeom prst="rect">
             <a:avLst/>
@@ -8092,7 +8092,7 @@
         <p:spPr>
           <a:xfrm>
             <a:off x="586440" y="1246680"/>
-            <a:ext cx="4004640" cy="3600360"/>
+            <a:ext cx="4004280" cy="3600000"/>
           </a:xfrm>
           <a:prstGeom prst="rect">
             <a:avLst/>
@@ -8144,7 +8144,7 @@
         <p:spPr>
           <a:xfrm>
             <a:off x="586440" y="453960"/>
-            <a:ext cx="4764600" cy="855720"/>
+            <a:ext cx="4764240" cy="855360"/>
           </a:xfrm>
           <a:prstGeom prst="rect">
             <a:avLst/>
@@ -8233,7 +8233,7 @@
         <p:spPr>
           <a:xfrm rot="2745600">
             <a:off x="8349840" y="-668160"/>
-            <a:ext cx="1498680" cy="1498680"/>
+            <a:ext cx="1498320" cy="1498320"/>
           </a:xfrm>
           <a:prstGeom prst="roundRect">
             <a:avLst>
@@ -8270,8 +8270,8 @@
         </p:nvSpPr>
         <p:spPr>
           <a:xfrm rot="2745600">
-            <a:off x="7634160" y="-322560"/>
-            <a:ext cx="807480" cy="807840"/>
+            <a:off x="7634160" y="-322200"/>
+            <a:ext cx="807120" cy="807480"/>
           </a:xfrm>
           <a:prstGeom prst="roundRect">
             <a:avLst>
@@ -8310,7 +8310,7 @@
         <p:spPr>
           <a:xfrm>
             <a:off x="586440" y="899640"/>
-            <a:ext cx="7932240" cy="1537560"/>
+            <a:ext cx="7931880" cy="1537200"/>
           </a:xfrm>
           <a:prstGeom prst="rect">
             <a:avLst/>
@@ -8362,7 +8362,7 @@
         <p:spPr>
           <a:xfrm>
             <a:off x="608040" y="2545560"/>
-            <a:ext cx="3712680" cy="2256120"/>
+            <a:ext cx="3712320" cy="2255760"/>
           </a:xfrm>
           <a:prstGeom prst="rect">
             <a:avLst/>
@@ -8414,7 +8414,7 @@
         <p:spPr>
           <a:xfrm>
             <a:off x="4806360" y="2545560"/>
-            <a:ext cx="3712680" cy="2256120"/>
+            <a:ext cx="3712320" cy="2255760"/>
           </a:xfrm>
           <a:prstGeom prst="rect">
             <a:avLst/>
@@ -8466,7 +8466,7 @@
         <p:spPr>
           <a:xfrm>
             <a:off x="583200" y="450720"/>
-            <a:ext cx="7198560" cy="512640"/>
+            <a:ext cx="7198200" cy="512280"/>
           </a:xfrm>
           <a:prstGeom prst="rect">
             <a:avLst/>
@@ -8548,7 +8548,7 @@
         <p:spPr>
           <a:xfrm>
             <a:off x="586440" y="1246680"/>
-            <a:ext cx="4004640" cy="3600360"/>
+            <a:ext cx="4004280" cy="3600000"/>
           </a:xfrm>
           <a:prstGeom prst="rect">
             <a:avLst/>
@@ -8600,7 +8600,7 @@
         <p:spPr>
           <a:xfrm>
             <a:off x="559800" y="446040"/>
-            <a:ext cx="4284000" cy="684000"/>
+            <a:ext cx="4283640" cy="683640"/>
           </a:xfrm>
           <a:prstGeom prst="rect">
             <a:avLst/>
@@ -8652,7 +8652,7 @@
         <p:spPr>
           <a:xfrm>
             <a:off x="5097600" y="360"/>
-            <a:ext cx="4380120" cy="5144400"/>
+            <a:ext cx="4379760" cy="5144040"/>
           </a:xfrm>
           <a:prstGeom prst="roundRect">
             <a:avLst>
@@ -8717,8 +8717,8 @@
         </p:nvSpPr>
         <p:spPr>
           <a:xfrm rot="2744400">
-            <a:off x="-281520" y="-25920"/>
-            <a:ext cx="704880" cy="704520"/>
+            <a:off x="-281160" y="-25920"/>
+            <a:ext cx="704520" cy="704160"/>
           </a:xfrm>
           <a:prstGeom prst="roundRect">
             <a:avLst>
@@ -8756,7 +8756,7 @@
         <p:spPr>
           <a:xfrm rot="2625600">
             <a:off x="4861080" y="4146840"/>
-            <a:ext cx="468720" cy="468720"/>
+            <a:ext cx="468360" cy="468360"/>
           </a:xfrm>
           <a:prstGeom prst="roundRect">
             <a:avLst>
@@ -8830,8 +8830,8 @@
         </p:nvSpPr>
         <p:spPr>
           <a:xfrm rot="2744400">
-            <a:off x="-350640" y="4540320"/>
-            <a:ext cx="704880" cy="704520"/>
+            <a:off x="-350280" y="4539960"/>
+            <a:ext cx="704520" cy="704160"/>
           </a:xfrm>
           <a:prstGeom prst="roundRect">
             <a:avLst>
@@ -8868,8 +8868,8 @@
         </p:nvSpPr>
         <p:spPr>
           <a:xfrm rot="19228200">
-            <a:off x="5846760" y="-2266920"/>
-            <a:ext cx="4855680" cy="7726680"/>
+            <a:off x="5846400" y="-2266560"/>
+            <a:ext cx="4855320" cy="7726320"/>
           </a:xfrm>
           <a:prstGeom prst="roundRect">
             <a:avLst>
@@ -8907,9 +8907,9 @@
         <p:grpSpPr>
           <a:xfrm>
             <a:off x="4571640" y="828000"/>
-            <a:ext cx="4468680" cy="3564720"/>
+            <a:ext cx="4468320" cy="3564360"/>
             <a:chOff x="4571640" y="828000"/>
-            <a:chExt cx="4468680" cy="3564720"/>
+            <a:chExt cx="4468320" cy="3564360"/>
           </a:xfrm>
         </p:grpSpPr>
         <p:pic>
@@ -8925,7 +8925,7 @@
           <p:spPr>
             <a:xfrm>
               <a:off x="4571640" y="828000"/>
-              <a:ext cx="4468680" cy="3564720"/>
+              <a:ext cx="4468320" cy="3564360"/>
             </a:xfrm>
             <a:prstGeom prst="rect">
               <a:avLst/>
@@ -8943,8 +8943,8 @@
           </p:nvSpPr>
           <p:spPr>
             <a:xfrm rot="16200000">
-              <a:off x="5962680" y="1158480"/>
-              <a:ext cx="1737720" cy="2771640"/>
+              <a:off x="5962680" y="1158840"/>
+              <a:ext cx="1737360" cy="2771280"/>
             </a:xfrm>
             <a:prstGeom prst="roundRect">
               <a:avLst>
@@ -9011,7 +9011,7 @@
         <p:spPr>
           <a:xfrm>
             <a:off x="586440" y="1246680"/>
-            <a:ext cx="4004640" cy="3600360"/>
+            <a:ext cx="4004280" cy="3600000"/>
           </a:xfrm>
           <a:prstGeom prst="rect">
             <a:avLst/>
@@ -9063,7 +9063,7 @@
         <p:spPr>
           <a:xfrm>
             <a:off x="5446080" y="1672200"/>
-            <a:ext cx="2780640" cy="1737720"/>
+            <a:ext cx="2780280" cy="1737360"/>
           </a:xfrm>
           <a:prstGeom prst="rect">
             <a:avLst/>
@@ -9115,7 +9115,7 @@
         <p:spPr>
           <a:xfrm>
             <a:off x="586440" y="453960"/>
-            <a:ext cx="3697200" cy="855720"/>
+            <a:ext cx="3696840" cy="855360"/>
           </a:xfrm>
           <a:prstGeom prst="rect">
             <a:avLst/>
@@ -9204,7 +9204,7 @@
         <p:spPr>
           <a:xfrm>
             <a:off x="4222080" y="1246680"/>
-            <a:ext cx="4115520" cy="3600360"/>
+            <a:ext cx="4115160" cy="3600000"/>
           </a:xfrm>
           <a:prstGeom prst="rect">
             <a:avLst/>
@@ -9255,8 +9255,8 @@
         </p:nvSpPr>
         <p:spPr>
           <a:xfrm rot="16200000">
-            <a:off x="-2181600" y="1733040"/>
-            <a:ext cx="5144400" cy="1684440"/>
+            <a:off x="-2181600" y="1733400"/>
+            <a:ext cx="5144040" cy="1684080"/>
           </a:xfrm>
           <a:prstGeom prst="roundRect">
             <a:avLst>
@@ -9293,8 +9293,8 @@
         </p:nvSpPr>
         <p:spPr>
           <a:xfrm rot="2745000">
-            <a:off x="8575200" y="104040"/>
-            <a:ext cx="1132920" cy="1132560"/>
+            <a:off x="8575200" y="103680"/>
+            <a:ext cx="1132560" cy="1132200"/>
           </a:xfrm>
           <a:prstGeom prst="roundRect">
             <a:avLst>
@@ -9331,8 +9331,8 @@
         </p:nvSpPr>
         <p:spPr>
           <a:xfrm rot="16200000">
-            <a:off x="614880" y="918360"/>
-            <a:ext cx="3232440" cy="3314160"/>
+            <a:off x="614880" y="918720"/>
+            <a:ext cx="3232080" cy="3313800"/>
           </a:xfrm>
           <a:prstGeom prst="roundRect">
             <a:avLst>
@@ -9398,7 +9398,7 @@
         <p:spPr>
           <a:xfrm>
             <a:off x="4214160" y="456120"/>
-            <a:ext cx="4112280" cy="855720"/>
+            <a:ext cx="4111920" cy="855360"/>
           </a:xfrm>
           <a:prstGeom prst="rect">
             <a:avLst/>
@@ -9480,7 +9480,7 @@
         <p:spPr>
           <a:xfrm>
             <a:off x="586440" y="1246680"/>
-            <a:ext cx="4004640" cy="3600360"/>
+            <a:ext cx="4004280" cy="3600000"/>
           </a:xfrm>
           <a:prstGeom prst="rect">
             <a:avLst/>
@@ -9532,7 +9532,7 @@
         <p:spPr>
           <a:xfrm>
             <a:off x="559800" y="446040"/>
-            <a:ext cx="4284000" cy="684000"/>
+            <a:ext cx="4283640" cy="683640"/>
           </a:xfrm>
           <a:prstGeom prst="rect">
             <a:avLst/>
@@ -9584,7 +9584,7 @@
         <p:spPr>
           <a:xfrm>
             <a:off x="5097600" y="360"/>
-            <a:ext cx="4380120" cy="5144400"/>
+            <a:ext cx="4379760" cy="5144040"/>
           </a:xfrm>
           <a:prstGeom prst="roundRect">
             <a:avLst>
@@ -9649,8 +9649,8 @@
         </p:nvSpPr>
         <p:spPr>
           <a:xfrm rot="2744400">
-            <a:off x="-281520" y="-25920"/>
-            <a:ext cx="704880" cy="704520"/>
+            <a:off x="-281160" y="-25920"/>
+            <a:ext cx="704520" cy="704160"/>
           </a:xfrm>
           <a:prstGeom prst="roundRect">
             <a:avLst>
@@ -9688,7 +9688,7 @@
         <p:spPr>
           <a:xfrm rot="2625600">
             <a:off x="4861080" y="4146840"/>
-            <a:ext cx="468720" cy="468720"/>
+            <a:ext cx="468360" cy="468360"/>
           </a:xfrm>
           <a:prstGeom prst="roundRect">
             <a:avLst>
@@ -9762,8 +9762,8 @@
         </p:nvSpPr>
         <p:spPr>
           <a:xfrm rot="2744400">
-            <a:off x="-281520" y="-25920"/>
-            <a:ext cx="704880" cy="704520"/>
+            <a:off x="-281160" y="-25920"/>
+            <a:ext cx="704520" cy="704160"/>
           </a:xfrm>
           <a:prstGeom prst="roundRect">
             <a:avLst>
@@ -9801,7 +9801,7 @@
         <p:spPr>
           <a:xfrm>
             <a:off x="569160" y="1888920"/>
-            <a:ext cx="4821480" cy="820800"/>
+            <a:ext cx="4821120" cy="820800"/>
           </a:xfrm>
           <a:prstGeom prst="rect">
             <a:avLst/>
@@ -9852,8 +9852,8 @@
         </p:nvSpPr>
         <p:spPr>
           <a:xfrm rot="18679800">
-            <a:off x="6782400" y="457560"/>
-            <a:ext cx="6251040" cy="4666680"/>
+            <a:off x="6782040" y="457560"/>
+            <a:ext cx="6250680" cy="4666320"/>
           </a:xfrm>
           <a:prstGeom prst="roundRect">
             <a:avLst>
@@ -9891,7 +9891,7 @@
         <p:spPr>
           <a:xfrm rot="2625600">
             <a:off x="6024960" y="4332960"/>
-            <a:ext cx="468720" cy="468720"/>
+            <a:ext cx="468360" cy="468360"/>
           </a:xfrm>
           <a:prstGeom prst="roundRect">
             <a:avLst>
@@ -9929,7 +9929,7 @@
         <p:spPr>
           <a:xfrm>
             <a:off x="1640880" y="4592880"/>
-            <a:ext cx="2995920" cy="266760"/>
+            <a:ext cx="2995560" cy="266400"/>
           </a:xfrm>
           <a:prstGeom prst="rect">
             <a:avLst/>
@@ -9991,7 +9991,7 @@
         <p:spPr>
           <a:xfrm>
             <a:off x="867240" y="3590280"/>
-            <a:ext cx="253800" cy="254160"/>
+            <a:ext cx="253440" cy="253800"/>
           </a:xfrm>
           <a:prstGeom prst="ellipse">
             <a:avLst/>
@@ -10026,7 +10026,7 @@
         <p:spPr>
           <a:xfrm>
             <a:off x="351000" y="3793320"/>
-            <a:ext cx="1286280" cy="1131840"/>
+            <a:ext cx="1285920" cy="1131480"/>
           </a:xfrm>
           <a:prstGeom prst="rect">
             <a:avLst/>
@@ -10081,8 +10081,8 @@
         </p:nvSpPr>
         <p:spPr>
           <a:xfrm rot="2744400">
-            <a:off x="-350640" y="4540320"/>
-            <a:ext cx="704880" cy="704520"/>
+            <a:off x="-350280" y="4539960"/>
+            <a:ext cx="704520" cy="704160"/>
           </a:xfrm>
           <a:prstGeom prst="roundRect">
             <a:avLst>
@@ -10119,8 +10119,8 @@
         </p:nvSpPr>
         <p:spPr>
           <a:xfrm rot="19228200">
-            <a:off x="5846760" y="-2266920"/>
-            <a:ext cx="4855680" cy="7726680"/>
+            <a:off x="5846400" y="-2266560"/>
+            <a:ext cx="4855320" cy="7726320"/>
           </a:xfrm>
           <a:prstGeom prst="roundRect">
             <a:avLst>
@@ -10158,9 +10158,9 @@
         <p:grpSpPr>
           <a:xfrm>
             <a:off x="4571640" y="828000"/>
-            <a:ext cx="4468680" cy="3564720"/>
+            <a:ext cx="4468320" cy="3564360"/>
             <a:chOff x="4571640" y="828000"/>
-            <a:chExt cx="4468680" cy="3564720"/>
+            <a:chExt cx="4468320" cy="3564360"/>
           </a:xfrm>
         </p:grpSpPr>
         <p:pic>
@@ -10176,7 +10176,7 @@
           <p:spPr>
             <a:xfrm>
               <a:off x="4571640" y="828000"/>
-              <a:ext cx="4468680" cy="3564720"/>
+              <a:ext cx="4468320" cy="3564360"/>
             </a:xfrm>
             <a:prstGeom prst="rect">
               <a:avLst/>
@@ -10194,8 +10194,8 @@
           </p:nvSpPr>
           <p:spPr>
             <a:xfrm rot="16200000">
-              <a:off x="5962680" y="1158480"/>
-              <a:ext cx="1737720" cy="2771640"/>
+              <a:off x="5962680" y="1158840"/>
+              <a:ext cx="1737360" cy="2771280"/>
             </a:xfrm>
             <a:prstGeom prst="roundRect">
               <a:avLst>
@@ -10262,7 +10262,7 @@
         <p:spPr>
           <a:xfrm>
             <a:off x="586440" y="1246680"/>
-            <a:ext cx="4004640" cy="3600360"/>
+            <a:ext cx="4004280" cy="3600000"/>
           </a:xfrm>
           <a:prstGeom prst="rect">
             <a:avLst/>
@@ -10314,7 +10314,7 @@
         <p:spPr>
           <a:xfrm>
             <a:off x="5446080" y="1672200"/>
-            <a:ext cx="2780640" cy="1737720"/>
+            <a:ext cx="2780280" cy="1737360"/>
           </a:xfrm>
           <a:prstGeom prst="rect">
             <a:avLst/>
@@ -10366,7 +10366,7 @@
         <p:spPr>
           <a:xfrm>
             <a:off x="586440" y="453960"/>
-            <a:ext cx="3697200" cy="855720"/>
+            <a:ext cx="3696840" cy="855360"/>
           </a:xfrm>
           <a:prstGeom prst="rect">
             <a:avLst/>
@@ -10455,7 +10455,7 @@
         <p:spPr>
           <a:xfrm>
             <a:off x="4222080" y="1246680"/>
-            <a:ext cx="4115520" cy="3600360"/>
+            <a:ext cx="4115160" cy="3600000"/>
           </a:xfrm>
           <a:prstGeom prst="rect">
             <a:avLst/>
@@ -10506,8 +10506,8 @@
         </p:nvSpPr>
         <p:spPr>
           <a:xfrm rot="16200000">
-            <a:off x="-2181600" y="1733040"/>
-            <a:ext cx="5144400" cy="1684440"/>
+            <a:off x="-2181600" y="1733400"/>
+            <a:ext cx="5144040" cy="1684080"/>
           </a:xfrm>
           <a:prstGeom prst="roundRect">
             <a:avLst>
@@ -10544,8 +10544,8 @@
         </p:nvSpPr>
         <p:spPr>
           <a:xfrm rot="2745000">
-            <a:off x="8575200" y="104040"/>
-            <a:ext cx="1132920" cy="1132560"/>
+            <a:off x="8575200" y="103680"/>
+            <a:ext cx="1132560" cy="1132200"/>
           </a:xfrm>
           <a:prstGeom prst="roundRect">
             <a:avLst>
@@ -10582,8 +10582,8 @@
         </p:nvSpPr>
         <p:spPr>
           <a:xfrm rot="16200000">
-            <a:off x="614880" y="918360"/>
-            <a:ext cx="3232440" cy="3314160"/>
+            <a:off x="614880" y="918720"/>
+            <a:ext cx="3232080" cy="3313800"/>
           </a:xfrm>
           <a:prstGeom prst="roundRect">
             <a:avLst>
@@ -10649,7 +10649,7 @@
         <p:spPr>
           <a:xfrm>
             <a:off x="4214160" y="456120"/>
-            <a:ext cx="4112280" cy="855720"/>
+            <a:ext cx="4111920" cy="855360"/>
           </a:xfrm>
           <a:prstGeom prst="rect">
             <a:avLst/>
@@ -10737,8 +10737,8 @@
         </p:nvSpPr>
         <p:spPr>
           <a:xfrm rot="2744400">
-            <a:off x="-281520" y="-25920"/>
-            <a:ext cx="704880" cy="704520"/>
+            <a:off x="-281160" y="-25920"/>
+            <a:ext cx="704520" cy="704160"/>
           </a:xfrm>
           <a:prstGeom prst="roundRect">
             <a:avLst>
@@ -10776,7 +10776,7 @@
         <p:spPr>
           <a:xfrm rot="2332200">
             <a:off x="6009480" y="-319680"/>
-            <a:ext cx="4856040" cy="7727040"/>
+            <a:ext cx="4855680" cy="7726680"/>
           </a:xfrm>
           <a:prstGeom prst="roundRect">
             <a:avLst>
@@ -10814,9 +10814,9 @@
         <p:grpSpPr>
           <a:xfrm>
             <a:off x="4571640" y="828000"/>
-            <a:ext cx="4468680" cy="3564720"/>
+            <a:ext cx="4468320" cy="3564360"/>
             <a:chOff x="4571640" y="828000"/>
-            <a:chExt cx="4468680" cy="3564720"/>
+            <a:chExt cx="4468320" cy="3564360"/>
           </a:xfrm>
         </p:grpSpPr>
         <p:pic>
@@ -10832,7 +10832,7 @@
           <p:spPr>
             <a:xfrm>
               <a:off x="4571640" y="828000"/>
-              <a:ext cx="4468680" cy="3564720"/>
+              <a:ext cx="4468320" cy="3564360"/>
             </a:xfrm>
             <a:prstGeom prst="rect">
               <a:avLst/>
@@ -10850,8 +10850,8 @@
           </p:nvSpPr>
           <p:spPr>
             <a:xfrm rot="16200000">
-              <a:off x="5962680" y="1158480"/>
-              <a:ext cx="1737720" cy="2771640"/>
+              <a:off x="5962680" y="1158840"/>
+              <a:ext cx="1737360" cy="2771280"/>
             </a:xfrm>
             <a:prstGeom prst="roundRect">
               <a:avLst>
@@ -10918,7 +10918,7 @@
         <p:spPr>
           <a:xfrm>
             <a:off x="5446080" y="1672200"/>
-            <a:ext cx="2771280" cy="1737720"/>
+            <a:ext cx="2770920" cy="1737360"/>
           </a:xfrm>
           <a:prstGeom prst="rect">
             <a:avLst/>
@@ -10970,7 +10970,7 @@
         <p:spPr>
           <a:xfrm>
             <a:off x="586440" y="1246680"/>
-            <a:ext cx="4004640" cy="3600360"/>
+            <a:ext cx="4004280" cy="3600000"/>
           </a:xfrm>
           <a:prstGeom prst="rect">
             <a:avLst/>
@@ -11022,7 +11022,7 @@
         <p:spPr>
           <a:xfrm>
             <a:off x="586440" y="453960"/>
-            <a:ext cx="4764600" cy="855720"/>
+            <a:ext cx="4764240" cy="855360"/>
           </a:xfrm>
           <a:prstGeom prst="rect">
             <a:avLst/>
@@ -11111,7 +11111,7 @@
         <p:spPr>
           <a:xfrm rot="2745600">
             <a:off x="8349840" y="-668160"/>
-            <a:ext cx="1498680" cy="1498680"/>
+            <a:ext cx="1498320" cy="1498320"/>
           </a:xfrm>
           <a:prstGeom prst="roundRect">
             <a:avLst>
@@ -11148,8 +11148,8 @@
         </p:nvSpPr>
         <p:spPr>
           <a:xfrm rot="2745600">
-            <a:off x="7634160" y="-322560"/>
-            <a:ext cx="807480" cy="807840"/>
+            <a:off x="7634160" y="-322200"/>
+            <a:ext cx="807120" cy="807480"/>
           </a:xfrm>
           <a:prstGeom prst="roundRect">
             <a:avLst>
@@ -11188,7 +11188,7 @@
         <p:spPr>
           <a:xfrm>
             <a:off x="586440" y="899640"/>
-            <a:ext cx="7932240" cy="1537560"/>
+            <a:ext cx="7931880" cy="1537200"/>
           </a:xfrm>
           <a:prstGeom prst="rect">
             <a:avLst/>
@@ -11240,7 +11240,7 @@
         <p:spPr>
           <a:xfrm>
             <a:off x="608040" y="2545560"/>
-            <a:ext cx="3712680" cy="2256120"/>
+            <a:ext cx="3712320" cy="2255760"/>
           </a:xfrm>
           <a:prstGeom prst="rect">
             <a:avLst/>
@@ -11292,7 +11292,7 @@
         <p:spPr>
           <a:xfrm>
             <a:off x="4806360" y="2545560"/>
-            <a:ext cx="3712680" cy="2256120"/>
+            <a:ext cx="3712320" cy="2255760"/>
           </a:xfrm>
           <a:prstGeom prst="rect">
             <a:avLst/>
@@ -11344,7 +11344,7 @@
         <p:spPr>
           <a:xfrm>
             <a:off x="583200" y="450720"/>
-            <a:ext cx="7198560" cy="512640"/>
+            <a:ext cx="7198200" cy="512280"/>
           </a:xfrm>
           <a:prstGeom prst="rect">
             <a:avLst/>
@@ -11426,7 +11426,7 @@
         <p:spPr>
           <a:xfrm>
             <a:off x="586440" y="1246680"/>
-            <a:ext cx="4004640" cy="3600360"/>
+            <a:ext cx="4004280" cy="3600000"/>
           </a:xfrm>
           <a:prstGeom prst="rect">
             <a:avLst/>
@@ -11478,7 +11478,7 @@
         <p:spPr>
           <a:xfrm>
             <a:off x="559800" y="446040"/>
-            <a:ext cx="4284000" cy="684000"/>
+            <a:ext cx="4283640" cy="683640"/>
           </a:xfrm>
           <a:prstGeom prst="rect">
             <a:avLst/>
@@ -11530,7 +11530,7 @@
         <p:spPr>
           <a:xfrm>
             <a:off x="5097600" y="360"/>
-            <a:ext cx="4380120" cy="5144400"/>
+            <a:ext cx="4379760" cy="5144040"/>
           </a:xfrm>
           <a:prstGeom prst="roundRect">
             <a:avLst>
@@ -11595,8 +11595,8 @@
         </p:nvSpPr>
         <p:spPr>
           <a:xfrm rot="2744400">
-            <a:off x="-281520" y="-25920"/>
-            <a:ext cx="704880" cy="704520"/>
+            <a:off x="-281160" y="-25920"/>
+            <a:ext cx="704520" cy="704160"/>
           </a:xfrm>
           <a:prstGeom prst="roundRect">
             <a:avLst>
@@ -11634,7 +11634,7 @@
         <p:spPr>
           <a:xfrm rot="2625600">
             <a:off x="4861080" y="4146840"/>
-            <a:ext cx="468720" cy="468720"/>
+            <a:ext cx="468360" cy="468360"/>
           </a:xfrm>
           <a:prstGeom prst="roundRect">
             <a:avLst>
@@ -11708,8 +11708,8 @@
         </p:nvSpPr>
         <p:spPr>
           <a:xfrm rot="2744400">
-            <a:off x="-350640" y="4540320"/>
-            <a:ext cx="704880" cy="704520"/>
+            <a:off x="-350280" y="4539960"/>
+            <a:ext cx="704520" cy="704160"/>
           </a:xfrm>
           <a:prstGeom prst="roundRect">
             <a:avLst>
@@ -11746,8 +11746,8 @@
         </p:nvSpPr>
         <p:spPr>
           <a:xfrm rot="19228200">
-            <a:off x="5846760" y="-2266920"/>
-            <a:ext cx="4855680" cy="7726680"/>
+            <a:off x="5846400" y="-2266560"/>
+            <a:ext cx="4855320" cy="7726320"/>
           </a:xfrm>
           <a:prstGeom prst="roundRect">
             <a:avLst>
@@ -11785,9 +11785,9 @@
         <p:grpSpPr>
           <a:xfrm>
             <a:off x="4571640" y="828000"/>
-            <a:ext cx="4468680" cy="3564720"/>
+            <a:ext cx="4468320" cy="3564360"/>
             <a:chOff x="4571640" y="828000"/>
-            <a:chExt cx="4468680" cy="3564720"/>
+            <a:chExt cx="4468320" cy="3564360"/>
           </a:xfrm>
         </p:grpSpPr>
         <p:pic>
@@ -11803,7 +11803,7 @@
           <p:spPr>
             <a:xfrm>
               <a:off x="4571640" y="828000"/>
-              <a:ext cx="4468680" cy="3564720"/>
+              <a:ext cx="4468320" cy="3564360"/>
             </a:xfrm>
             <a:prstGeom prst="rect">
               <a:avLst/>
@@ -11821,8 +11821,8 @@
           </p:nvSpPr>
           <p:spPr>
             <a:xfrm rot="16200000">
-              <a:off x="5962680" y="1158480"/>
-              <a:ext cx="1737720" cy="2771640"/>
+              <a:off x="5962680" y="1158840"/>
+              <a:ext cx="1737360" cy="2771280"/>
             </a:xfrm>
             <a:prstGeom prst="roundRect">
               <a:avLst>
@@ -11889,7 +11889,7 @@
         <p:spPr>
           <a:xfrm>
             <a:off x="586440" y="1246680"/>
-            <a:ext cx="4004640" cy="3600360"/>
+            <a:ext cx="4004280" cy="3600000"/>
           </a:xfrm>
           <a:prstGeom prst="rect">
             <a:avLst/>
@@ -11941,7 +11941,7 @@
         <p:spPr>
           <a:xfrm>
             <a:off x="5446080" y="1672200"/>
-            <a:ext cx="2780640" cy="1737720"/>
+            <a:ext cx="2780280" cy="1737360"/>
           </a:xfrm>
           <a:prstGeom prst="rect">
             <a:avLst/>
@@ -11993,7 +11993,7 @@
         <p:spPr>
           <a:xfrm>
             <a:off x="586440" y="453960"/>
-            <a:ext cx="3697200" cy="855720"/>
+            <a:ext cx="3696840" cy="855360"/>
           </a:xfrm>
           <a:prstGeom prst="rect">
             <a:avLst/>
@@ -12082,7 +12082,7 @@
         <p:spPr>
           <a:xfrm>
             <a:off x="4222080" y="1246680"/>
-            <a:ext cx="4115520" cy="3600360"/>
+            <a:ext cx="4115160" cy="3600000"/>
           </a:xfrm>
           <a:prstGeom prst="rect">
             <a:avLst/>
@@ -12133,8 +12133,8 @@
         </p:nvSpPr>
         <p:spPr>
           <a:xfrm rot="16200000">
-            <a:off x="-2181600" y="1733040"/>
-            <a:ext cx="5144400" cy="1684440"/>
+            <a:off x="-2181600" y="1733400"/>
+            <a:ext cx="5144040" cy="1684080"/>
           </a:xfrm>
           <a:prstGeom prst="roundRect">
             <a:avLst>
@@ -12171,8 +12171,8 @@
         </p:nvSpPr>
         <p:spPr>
           <a:xfrm rot="2745000">
-            <a:off x="8575200" y="104040"/>
-            <a:ext cx="1132920" cy="1132560"/>
+            <a:off x="8575200" y="103680"/>
+            <a:ext cx="1132560" cy="1132200"/>
           </a:xfrm>
           <a:prstGeom prst="roundRect">
             <a:avLst>
@@ -12209,8 +12209,8 @@
         </p:nvSpPr>
         <p:spPr>
           <a:xfrm rot="16200000">
-            <a:off x="614880" y="918360"/>
-            <a:ext cx="3232440" cy="3314160"/>
+            <a:off x="614880" y="918720"/>
+            <a:ext cx="3232080" cy="3313800"/>
           </a:xfrm>
           <a:prstGeom prst="roundRect">
             <a:avLst>
@@ -12276,7 +12276,7 @@
         <p:spPr>
           <a:xfrm>
             <a:off x="4214160" y="456120"/>
-            <a:ext cx="4112280" cy="855720"/>
+            <a:ext cx="4111920" cy="855360"/>
           </a:xfrm>
           <a:prstGeom prst="rect">
             <a:avLst/>
